--- a/Later/Thread/28/Java_ThreadPool_V3.pptx
+++ b/Later/Thread/28/Java_ThreadPool_V3.pptx
@@ -5,12 +5,13 @@
     <p:sldMasterId id="2147483672" r:id="rId1"/>
   </p:sldMasterIdLst>
   <p:notesMasterIdLst>
-    <p:notesMasterId r:id="rId5"/>
+    <p:notesMasterId r:id="rId6"/>
   </p:notesMasterIdLst>
   <p:sldIdLst>
     <p:sldId id="426" r:id="rId2"/>
     <p:sldId id="428" r:id="rId3"/>
     <p:sldId id="427" r:id="rId4"/>
+    <p:sldId id="429" r:id="rId5"/>
   </p:sldIdLst>
   <p:sldSz cx="9144000" cy="5029200"/>
   <p:notesSz cx="6858000" cy="9144000"/>
@@ -711,6 +712,95 @@
             <a:fld id="{A883C400-BD9D-4609-A213-F91E9750031E}" type="slidenum">
               <a:rPr lang="en-US" smtClean="0"/>
               <a:t>3</a:t>
+            </a:fld>
+            <a:endParaRPr lang="en-US" dirty="0"/>
+          </a:p>
+        </p:txBody>
+      </p:sp>
+    </p:spTree>
+    <p:extLst>
+      <p:ext uri="{BB962C8B-B14F-4D97-AF65-F5344CB8AC3E}">
+        <p14:creationId xmlns:p14="http://schemas.microsoft.com/office/powerpoint/2010/main" val="4195558700"/>
+      </p:ext>
+    </p:extLst>
+  </p:cSld>
+  <p:clrMapOvr>
+    <a:masterClrMapping/>
+  </p:clrMapOvr>
+</p:notes>
+</file>
+
+<file path=ppt/notesSlides/notesSlide4.xml><?xml version="1.0" encoding="utf-8"?>
+<p:notes xmlns:a="http://schemas.openxmlformats.org/drawingml/2006/main" xmlns:r="http://schemas.openxmlformats.org/officeDocument/2006/relationships" xmlns:p="http://schemas.openxmlformats.org/presentationml/2006/main">
+  <p:cSld>
+    <p:spTree>
+      <p:nvGrpSpPr>
+        <p:cNvPr id="1" name=""/>
+        <p:cNvGrpSpPr/>
+        <p:nvPr/>
+      </p:nvGrpSpPr>
+      <p:grpSpPr>
+        <a:xfrm>
+          <a:off x="0" y="0"/>
+          <a:ext cx="0" cy="0"/>
+          <a:chOff x="0" y="0"/>
+          <a:chExt cx="0" cy="0"/>
+        </a:xfrm>
+      </p:grpSpPr>
+      <p:sp>
+        <p:nvSpPr>
+          <p:cNvPr id="2" name="Slide Image Placeholder 1"/>
+          <p:cNvSpPr>
+            <a:spLocks noGrp="1" noRot="1" noChangeAspect="1"/>
+          </p:cNvSpPr>
+          <p:nvPr>
+            <p:ph type="sldImg"/>
+          </p:nvPr>
+        </p:nvSpPr>
+        <p:spPr>
+          <a:xfrm>
+            <a:off x="312738" y="685800"/>
+            <a:ext cx="6232525" cy="3429000"/>
+          </a:xfrm>
+        </p:spPr>
+      </p:sp>
+      <p:sp>
+        <p:nvSpPr>
+          <p:cNvPr id="3" name="Notes Placeholder 2"/>
+          <p:cNvSpPr>
+            <a:spLocks noGrp="1"/>
+          </p:cNvSpPr>
+          <p:nvPr>
+            <p:ph type="body" idx="1"/>
+          </p:nvPr>
+        </p:nvSpPr>
+        <p:spPr/>
+        <p:txBody>
+          <a:bodyPr/>
+          <a:lstStyle/>
+          <a:p>
+            <a:endParaRPr lang="en-US" dirty="0"/>
+          </a:p>
+        </p:txBody>
+      </p:sp>
+      <p:sp>
+        <p:nvSpPr>
+          <p:cNvPr id="4" name="Slide Number Placeholder 3"/>
+          <p:cNvSpPr>
+            <a:spLocks noGrp="1"/>
+          </p:cNvSpPr>
+          <p:nvPr>
+            <p:ph type="sldNum" sz="quarter" idx="10"/>
+          </p:nvPr>
+        </p:nvSpPr>
+        <p:spPr/>
+        <p:txBody>
+          <a:bodyPr/>
+          <a:lstStyle/>
+          <a:p>
+            <a:fld id="{A883C400-BD9D-4609-A213-F91E9750031E}" type="slidenum">
+              <a:rPr lang="en-US" smtClean="0"/>
+              <a:t>4</a:t>
             </a:fld>
             <a:endParaRPr lang="en-US" dirty="0"/>
           </a:p>
@@ -5304,7 +5394,6 @@
               <a:rPr lang="en-US" sz="1200" dirty="0"/>
               <a:t> interface to create the thread pool in java.</a:t>
             </a:r>
-            <a:endParaRPr lang="en-US" sz="1200" dirty="0"/>
           </a:p>
         </p:txBody>
       </p:sp>
@@ -5663,7 +5752,6 @@
               <a:rPr lang="en-US" sz="1050" dirty="0"/>
               <a:t>program, we are creating fixed size thread pool of 5 worker threads. Then we are submitting 10 jobs to this pool, since the pool size is 5, it will start working on 5 jobs and other jobs will be in wait state, as soon as one of the job is finished, another job from the wait queue will be picked up by worker thread and get’s executed.</a:t>
             </a:r>
-            <a:endParaRPr lang="en-US" sz="1050" dirty="0"/>
           </a:p>
         </p:txBody>
       </p:sp>
@@ -5927,7 +6015,6 @@
               <a:rPr lang="en-US" sz="1200" dirty="0"/>
               <a:t>and they are responsible to execute the submitted tasks to the pool.</a:t>
             </a:r>
-            <a:endParaRPr lang="en-US" sz="1200" dirty="0"/>
           </a:p>
         </p:txBody>
       </p:sp>
@@ -5935,6 +6022,207 @@
     <p:extLst>
       <p:ext uri="{BB962C8B-B14F-4D97-AF65-F5344CB8AC3E}">
         <p14:creationId xmlns:p14="http://schemas.microsoft.com/office/powerpoint/2010/main" val="925833748"/>
+      </p:ext>
+    </p:extLst>
+  </p:cSld>
+  <p:clrMapOvr>
+    <a:masterClrMapping/>
+  </p:clrMapOvr>
+  <mc:AlternateContent xmlns:mc="http://schemas.openxmlformats.org/markup-compatibility/2006" xmlns:p14="http://schemas.microsoft.com/office/powerpoint/2010/main">
+    <mc:Choice Requires="p14">
+      <p:transition spd="slow" p14:dur="2000"/>
+    </mc:Choice>
+    <mc:Fallback xmlns="">
+      <p:transition spd="slow"/>
+    </mc:Fallback>
+  </mc:AlternateContent>
+  <p:timing>
+    <p:tnLst>
+      <p:par>
+        <p:cTn id="1" dur="indefinite" restart="never" nodeType="tmRoot"/>
+      </p:par>
+    </p:tnLst>
+  </p:timing>
+</p:sld>
+</file>
+
+<file path=ppt/slides/slide4.xml><?xml version="1.0" encoding="utf-8"?>
+<p:sld xmlns:a="http://schemas.openxmlformats.org/drawingml/2006/main" xmlns:r="http://schemas.openxmlformats.org/officeDocument/2006/relationships" xmlns:p="http://schemas.openxmlformats.org/presentationml/2006/main">
+  <p:cSld>
+    <p:spTree>
+      <p:nvGrpSpPr>
+        <p:cNvPr id="1" name=""/>
+        <p:cNvGrpSpPr/>
+        <p:nvPr/>
+      </p:nvGrpSpPr>
+      <p:grpSpPr>
+        <a:xfrm>
+          <a:off x="0" y="0"/>
+          <a:ext cx="0" cy="0"/>
+          <a:chOff x="0" y="0"/>
+          <a:chExt cx="0" cy="0"/>
+        </a:xfrm>
+      </p:grpSpPr>
+      <p:sp>
+        <p:nvSpPr>
+          <p:cNvPr id="3" name="AutoShape 2" descr="data:image/png;base64,iVBORw0KGgoAAAANSUhEUgAAANEAAADxCAMAAABiSKLrAAAAbFBMVEWIiIj////6+vr29vb19fX4+Pj5+fnu7u77+/v39/f9/f3z8/P+/v709PT8/Pyqqqrt7e3v7+/w8PDx8fHy8vK+vr7Q0NCjo6OBgYHY2Njk5OTHx8eNjY3c3NzGxsbn5+eWlpa1tbWcnJx6enob4+f+AAAIqklEQVR4nO3dCZuaOhQGYEZAh0FkX2W1//8/lkVMICeIkRmOPHz22lYg5OVEZLFzJRNrnC+xSGt3nJvQekMUYktnEiM1ouDrjCs/pukLkzoRtpjmNRcloRUFoiS8oo5UvLwsYpEgCaXoHLYiMRJqkRAJt0iEhFwkQMIqCgJRElpRLErCL3r1oxavSJSEWCRIQikyOtGQNPd8CaXICc04FiXhFomQkIsESChFbmhmwiT0opf3eBivMzSjLuORnh49oKxRKxIloayR24oESShFRScSI6EUJaGZCJNwiwhp/skFcpFAlbCLXiehF71MQisSJiEVVYkwqRP9oEpXI1HSXXRuWjo/2jz3f3v8YfjS7871lbU1EiT1IjrAKrvX/2iurzisijkk8OQC5ah7iERIyEUCJOyi10noRU9J490DUpFPRAApniJhFVnzSaOdOF6RKAmlKGhFgiTMohdIyYeIhEh30aV99E9NLo8VXLqn++Q/mIuIREid6DJsv32s91Ityi1hEtJRl5+ESX2NMKUR2ZYoCbNIjIRV5FiiJIyicx7mriVEKnCKfvxadBIloRQ1NTqJkcICpcgPr7rjOPYJZnFNbZVwikw/YHNlXmDi4xW9kU70jSnNqOu/xL4R0aWg3yNMgNHWp0I66i7Dy5PsdXFuApw1Eg8RndfuykLZa4Q/512EPrsIfzYtOmwje43wh4h+1u7KQvm5bk601wh9NlijXYQ+uwh/HqLrZkTXh+h4PDQP8lQ/PvAlSrT2xl0oRHQ5biOXXYQ+uwh/dhH+7CL82bRI3Ua2XKPvtTfuQvneReizi/BnF+HPLsKfTYu0bYQWsd5PfImIDmtv3IVy2EXos4vwZxfhzy7CH0okbyO7CH+2/D46rr1xF8pxF6HPLsKfXYQ/uwh/KJGyjWxatPZwWShEpK69cReKuovQZxfhzy7Cn12EP0SkGduItmHRzFF3P3r63ZHzTl4YdYqsHg/e/YdF2e7xcFRVrba109gMFp2evGhmjzpFVZLcvJVpl7K8hWaVB1liNVNdJh7VZ4Wd7P4aaa5I866lFEnDRHWksC5eVgtH8VWy8PHGTE5V/rr+QqSocTnm9CpTM+SMmRhVVJcPKbPYv5VFcs7x1F3P1eeikl1sXZHGB0lRLH+eSI75ICk6KZ8nctkOkaQN+cNEWjBRIimU0YpkHY4hmxOgqNIMHRaRJo6giLO+dyM/F1nsvpfqWVAv92Eihe0u3bNE+TgR/FkURfWhUHPMIBsguh6N0yKNs7o/EGkVIEpj+XA8fltJ0GzqDxMdQwBka+2gqQ/p9FYkpaNIiEXuje3OddQfg738rFCTcYmME9sdKXntbY1MBOy802JrotJ6bSUiInLia7y2+aZEbXuyxXbn5vXXGQazDs+6xUWGoql2kXU/DDrOssLWNFmZ65oQufeflwvU6PHDdO8ki/0xu/Rb7RVRvZNJgupW7y3bU+T6JLnej97MPLNUhbPIbJEV9U2y/eknHds5lfhfNMo/sb23oRX5LQXWGUmpGdtz3nxEpOiep7eP+5MFUEZJj+0SCnsCVX/CkrZUQFRvQG+8RkNOzHTi5LL0rW6x8YL0bwolGtdolqir0fQxAyQCNrdsVczFmdFS6fXp+4kSecPMEqntrAYkkklTYI288frkYKI+j+XCYtzRUdCIdMV/7mkWTDNmY6AU6bo5C9QknqwSEpFuzAdJUjZFQiJSoFMWfhIDu0ievDjD5ubquEV6AjVet3krU3B/Hvn8cYdDBJxUSlKVaJqmWvENMiXcImEQKcCYi26W1nZaN9SAXXFkcos0JZpxXLeICDpLDnVSBDkDusAtEhGN72p5J78LcMbn9+nudemgiDSlASLF66cC20NKbZ3qCnAnIfKp9gcxiIjVPj8/8mbVCBY9VsNes42C4YgBrgyUJ06NpkRdCuD8yB418pYIOkl2hyuQ2SOkKOMMO4M76vrBB4sG84Cjjrr5Cooeo4TdLwyGbLsC4IKgD93dHY66lUQye7gQxfqgfdcDhr7JeSOtLoL2dOn4KEdX2E+s0hp24j3RaUERsPnLLBmlYPceaYJVBB0Bja85p8ANn3rXgFX02kEqaSGAeywoGs7zjghYdqYoxyp68USCtMDZfX+wqHomav53fkBcWDSYx4NEBpkuAyLj3oSwSDIVsMM6ETVAp/3V/KG2tP/xRPRccI1IW7Comyr8PupE9052bbW/0yLHpX/1T1wRmQuskULa4oqcd/Z1pjLu6li0zqgDP49m5fmo+2NR3z50zFBYczLsBB6Rxx6y8Q5wRoE7LCaylhM5BnTs7cGdmZP1RZzdygeLXOjW9fg94jYXUnjjbBHRcJ5nImVKBA67fFgkL/HzIE4KRW7vM0/i/kQ0WSPHg75KldHdqc+h7pfZ0jKs/GuDM3hvNSLizSEqoroE1Yia7ELf00kIWS/o09z+EmLA6bC3hMh9TwRskDq51x47e4Zzhc73Qt64wyByPOjmUVT6cZZkcQV+0zxNflX05qgD36tSe3MilcCr1FLEe9sPRDYYjmgwD1wjMl1hm4h0ugF43PETVd6wB3RbKES2Pu+2cr9waHFBWESO+8JtyxrkckFYRDa8dxAAoRHNH3hRNTHkUIlsY9Z3TqR6LzcFokScSsKi4TzPRMYske0VT78XJJkJZ8uTzojV6FdEtmNkE9/diqLUzJTpAtmzalQyF6FvI5ETA9+OpraQwTYhwRvQMYqryX6sNn8vq8AynnqoGuXuCY7N/vMR3R7N47DzePR04J+gjJt4rM7V3SzwzbC8FzYtb2Z1jQtDd3nLDOLmD1E9v90++qfT4Lfh5N+cq/508shXb5st6Ll1cWa2RYu2EUo0p6QfkF2EP7sIf3YR/hCRs3ZXFoqzYdEGR92su1D4Q486yzq1D/L0iS85W67R2l1ZKLsIfzYs4l05+bg8rpxU/lZS3UXbyvZE/wFXu+LXNTDaDQAAAABJRU5ErkJggg=="/>
+          <p:cNvSpPr>
+            <a:spLocks noChangeAspect="1" noChangeArrowheads="1"/>
+          </p:cNvSpPr>
+          <p:nvPr/>
+        </p:nvSpPr>
+        <p:spPr bwMode="auto">
+          <a:xfrm>
+            <a:off x="155575" y="-144463"/>
+            <a:ext cx="304800" cy="304801"/>
+          </a:xfrm>
+          <a:prstGeom prst="rect">
+            <a:avLst/>
+          </a:prstGeom>
+          <a:noFill/>
+          <a:extLst>
+            <a:ext uri="{909E8E84-426E-40DD-AFC4-6F175D3DCCD1}">
+              <a14:hiddenFill xmlns:a14="http://schemas.microsoft.com/office/drawing/2010/main">
+                <a:solidFill>
+                  <a:srgbClr val="FFFFFF"/>
+                </a:solidFill>
+              </a14:hiddenFill>
+            </a:ext>
+          </a:extLst>
+        </p:spPr>
+        <p:txBody>
+          <a:bodyPr vert="horz" wrap="square" lIns="91440" tIns="45720" rIns="91440" bIns="45720" numCol="1" anchor="t" anchorCtr="0" compatLnSpc="1">
+            <a:prstTxWarp prst="textNoShape">
+              <a:avLst/>
+            </a:prstTxWarp>
+          </a:bodyPr>
+          <a:lstStyle/>
+          <a:p>
+            <a:endParaRPr lang="en-US" sz="1200" dirty="0"/>
+          </a:p>
+        </p:txBody>
+      </p:sp>
+      <p:sp>
+        <p:nvSpPr>
+          <p:cNvPr id="17" name="Rectangle 16"/>
+          <p:cNvSpPr/>
+          <p:nvPr/>
+        </p:nvSpPr>
+        <p:spPr>
+          <a:xfrm>
+            <a:off x="3657600" y="21838"/>
+            <a:ext cx="1371600" cy="276999"/>
+          </a:xfrm>
+          <a:prstGeom prst="rect">
+            <a:avLst/>
+          </a:prstGeom>
+        </p:spPr>
+        <p:style>
+          <a:lnRef idx="1">
+            <a:schemeClr val="accent4"/>
+          </a:lnRef>
+          <a:fillRef idx="3">
+            <a:schemeClr val="accent4"/>
+          </a:fillRef>
+          <a:effectRef idx="2">
+            <a:schemeClr val="accent4"/>
+          </a:effectRef>
+          <a:fontRef idx="minor">
+            <a:schemeClr val="lt1"/>
+          </a:fontRef>
+        </p:style>
+        <p:txBody>
+          <a:bodyPr wrap="square">
+            <a:spAutoFit/>
+          </a:bodyPr>
+          <a:lstStyle/>
+          <a:p>
+            <a:pPr algn="ctr"/>
+            <a:r>
+              <a:rPr lang="en-US" sz="1200" dirty="0" smtClean="0"/>
+              <a:t>Java Thread </a:t>
+            </a:r>
+            <a:r>
+              <a:rPr lang="en-US" sz="1200" dirty="0"/>
+              <a:t>Pool</a:t>
+            </a:r>
+          </a:p>
+        </p:txBody>
+      </p:sp>
+      <p:sp>
+        <p:nvSpPr>
+          <p:cNvPr id="2" name="Rectangle 1"/>
+          <p:cNvSpPr/>
+          <p:nvPr/>
+        </p:nvSpPr>
+        <p:spPr>
+          <a:xfrm>
+            <a:off x="533400" y="2191435"/>
+            <a:ext cx="8382000" cy="2308324"/>
+          </a:xfrm>
+          <a:prstGeom prst="rect">
+            <a:avLst/>
+          </a:prstGeom>
+        </p:spPr>
+        <p:txBody>
+          <a:bodyPr wrap="square">
+            <a:spAutoFit/>
+          </a:bodyPr>
+          <a:lstStyle/>
+          <a:p>
+            <a:r>
+              <a:rPr lang="en-US" dirty="0">
+                <a:hlinkClick r:id="rId3"/>
+              </a:rPr>
+              <a:t>https://</a:t>
+            </a:r>
+            <a:r>
+              <a:rPr lang="en-US" dirty="0" smtClean="0">
+                <a:hlinkClick r:id="rId3"/>
+              </a:rPr>
+              <a:t>docs.oracle.com/javase/8/docs/api/java/util/concurrent/Executors.html</a:t>
+            </a:r>
+            <a:endParaRPr lang="en-US" dirty="0" smtClean="0"/>
+          </a:p>
+          <a:p>
+            <a:endParaRPr lang="en-US" dirty="0"/>
+          </a:p>
+          <a:p>
+            <a:r>
+              <a:rPr lang="en-US" dirty="0">
+                <a:hlinkClick r:id="rId4"/>
+              </a:rPr>
+              <a:t>https://</a:t>
+            </a:r>
+            <a:r>
+              <a:rPr lang="en-US" dirty="0" smtClean="0">
+                <a:hlinkClick r:id="rId4"/>
+              </a:rPr>
+              <a:t>docs.oracle.com/javase/8/docs/api/java/util/concurrent/ExecutorService.html</a:t>
+            </a:r>
+            <a:endParaRPr lang="en-US" dirty="0" smtClean="0"/>
+          </a:p>
+          <a:p>
+            <a:endParaRPr lang="en-US" dirty="0" smtClean="0"/>
+          </a:p>
+          <a:p>
+            <a:endParaRPr lang="en-US" dirty="0"/>
+          </a:p>
+          <a:p>
+            <a:endParaRPr lang="en-US" dirty="0" smtClean="0"/>
+          </a:p>
+          <a:p>
+            <a:endParaRPr lang="en-US" dirty="0"/>
+          </a:p>
+          <a:p>
+            <a:endParaRPr lang="en-US" dirty="0"/>
+          </a:p>
+        </p:txBody>
+      </p:sp>
+    </p:spTree>
+    <p:extLst>
+      <p:ext uri="{BB962C8B-B14F-4D97-AF65-F5344CB8AC3E}">
+        <p14:creationId xmlns:p14="http://schemas.microsoft.com/office/powerpoint/2010/main" val="1665736385"/>
       </p:ext>
     </p:extLst>
   </p:cSld>
